--- a/downloads/affiche/TAMOS_template_affiche.pptx
+++ b/downloads/affiche/TAMOS_template_affiche.pptx
@@ -125,6 +125,54 @@
 
 <file path=ppt/changesInfos/changesInfo1.xml><?xml version="1.0" encoding="utf-8"?>
 <pc:chgInfo xmlns:a="http://schemas.openxmlformats.org/drawingml/2006/main" xmlns:r="http://schemas.openxmlformats.org/officeDocument/2006/relationships" xmlns:ac="http://schemas.microsoft.com/office/drawing/2013/main/command" xmlns:pc="http://schemas.microsoft.com/office/powerpoint/2013/main/command">
+  <pc:docChgLst>
+    <pc:chgData name="Sarah Meysman" userId="235f47b1c5c3cb74" providerId="LiveId" clId="{ADC081C5-083A-4DB6-8819-F02146DDDA9B}"/>
+    <pc:docChg chg="modSld">
+      <pc:chgData name="Sarah Meysman" userId="235f47b1c5c3cb74" providerId="LiveId" clId="{ADC081C5-083A-4DB6-8819-F02146DDDA9B}" dt="2018-04-15T10:37:09.232" v="5" actId="179"/>
+      <pc:docMkLst>
+        <pc:docMk/>
+      </pc:docMkLst>
+      <pc:sldChg chg="addSp modSp">
+        <pc:chgData name="Sarah Meysman" userId="235f47b1c5c3cb74" providerId="LiveId" clId="{ADC081C5-083A-4DB6-8819-F02146DDDA9B}" dt="2018-04-15T10:37:09.232" v="5" actId="179"/>
+        <pc:sldMkLst>
+          <pc:docMk/>
+          <pc:sldMk cId="0" sldId="256"/>
+        </pc:sldMkLst>
+        <pc:spChg chg="mod">
+          <ac:chgData name="Sarah Meysman" userId="235f47b1c5c3cb74" providerId="LiveId" clId="{ADC081C5-083A-4DB6-8819-F02146DDDA9B}" dt="2018-04-15T10:37:09.232" v="5" actId="179"/>
+          <ac:spMkLst>
+            <pc:docMk/>
+            <pc:sldMk cId="0" sldId="256"/>
+            <ac:spMk id="5" creationId="{00000000-0000-0000-0000-000000000000}"/>
+          </ac:spMkLst>
+        </pc:spChg>
+        <pc:spChg chg="mod">
+          <ac:chgData name="Sarah Meysman" userId="235f47b1c5c3cb74" providerId="LiveId" clId="{ADC081C5-083A-4DB6-8819-F02146DDDA9B}" dt="2018-04-15T10:36:21.931" v="1" actId="164"/>
+          <ac:spMkLst>
+            <pc:docMk/>
+            <pc:sldMk cId="0" sldId="256"/>
+            <ac:spMk id="7" creationId="{00000000-0000-0000-0000-000000000000}"/>
+          </ac:spMkLst>
+        </pc:spChg>
+        <pc:spChg chg="mod">
+          <ac:chgData name="Sarah Meysman" userId="235f47b1c5c3cb74" providerId="LiveId" clId="{ADC081C5-083A-4DB6-8819-F02146DDDA9B}" dt="2018-04-15T10:36:21.931" v="1" actId="164"/>
+          <ac:spMkLst>
+            <pc:docMk/>
+            <pc:sldMk cId="0" sldId="256"/>
+            <ac:spMk id="8" creationId="{00000000-0000-0000-0000-000000000000}"/>
+          </ac:spMkLst>
+        </pc:spChg>
+        <pc:grpChg chg="add mod">
+          <ac:chgData name="Sarah Meysman" userId="235f47b1c5c3cb74" providerId="LiveId" clId="{ADC081C5-083A-4DB6-8819-F02146DDDA9B}" dt="2018-04-15T10:36:31.827" v="2" actId="962"/>
+          <ac:grpSpMkLst>
+            <pc:docMk/>
+            <pc:sldMk cId="0" sldId="256"/>
+            <ac:grpSpMk id="10" creationId="{CB0D4AE8-A78B-4399-816A-C7915BF2C673}"/>
+          </ac:grpSpMkLst>
+        </pc:grpChg>
+      </pc:sldChg>
+    </pc:docChg>
+  </pc:docChgLst>
   <pc:docChgLst>
     <pc:chgData name="Sarah Meysman" userId="235f47b1c5c3cb74" providerId="LiveId" clId="{6C420C7C-20C8-4020-86AE-B9DA48A3FD61}"/>
     <pc:docChg chg="undo custSel modSld">
@@ -419,7 +467,7 @@
           <a:p>
             <a:fld id="{1D8BD707-D9CF-40AE-B4C6-C98DA3205C09}" type="datetimeFigureOut">
               <a:rPr lang="en-US"/>
-              <a:t>4/3/2018</a:t>
+              <a:t>4/15/2018</a:t>
             </a:fld>
             <a:endParaRPr lang="en-US"/>
           </a:p>
@@ -590,7 +638,7 @@
           <a:p>
             <a:fld id="{1D8BD707-D9CF-40AE-B4C6-C98DA3205C09}" type="datetimeFigureOut">
               <a:rPr lang="en-US"/>
-              <a:t>4/3/2018</a:t>
+              <a:t>4/15/2018</a:t>
             </a:fld>
             <a:endParaRPr lang="en-US"/>
           </a:p>
@@ -804,7 +852,7 @@
           <a:p>
             <a:fld id="{1D8BD707-D9CF-40AE-B4C6-C98DA3205C09}" type="datetimeFigureOut">
               <a:rPr lang="en-US"/>
-              <a:t>4/3/2018</a:t>
+              <a:t>4/15/2018</a:t>
             </a:fld>
             <a:endParaRPr lang="en-US"/>
           </a:p>
@@ -952,7 +1000,7 @@
           <a:p>
             <a:fld id="{1D8BD707-D9CF-40AE-B4C6-C98DA3205C09}" type="datetimeFigureOut">
               <a:rPr lang="en-US"/>
-              <a:t>4/3/2018</a:t>
+              <a:t>4/15/2018</a:t>
             </a:fld>
             <a:endParaRPr lang="en-US"/>
           </a:p>
@@ -1071,7 +1119,7 @@
           <a:p>
             <a:fld id="{1D8BD707-D9CF-40AE-B4C6-C98DA3205C09}" type="datetimeFigureOut">
               <a:rPr lang="en-US"/>
-              <a:t>4/3/2018</a:t>
+              <a:t>4/15/2018</a:t>
             </a:fld>
             <a:endParaRPr lang="en-US"/>
           </a:p>
@@ -1290,7 +1338,7 @@
           <a:p>
             <a:fld id="{1D8BD707-D9CF-40AE-B4C6-C98DA3205C09}" type="datetimeFigureOut">
               <a:rPr lang="en-US"/>
-              <a:t>4/3/2018</a:t>
+              <a:t>4/15/2018</a:t>
             </a:fld>
             <a:endParaRPr lang="en-US"/>
           </a:p>
@@ -1771,7 +1819,7 @@
         <p:spPr>
           <a:xfrm>
             <a:off x="10987201" y="2157641"/>
-            <a:ext cx="3592829" cy="668655"/>
+            <a:ext cx="3592829" cy="588623"/>
           </a:xfrm>
           <a:prstGeom prst="rect">
             <a:avLst/>
@@ -1786,7 +1834,7 @@
           </a:bodyPr>
           <a:lstStyle/>
           <a:p>
-            <a:pPr marL="444500">
+            <a:pPr algn="ctr">
               <a:lnSpc>
                 <a:spcPct val="100000"/>
               </a:lnSpc>
@@ -2222,466 +2270,487 @@
           </a:p>
         </p:txBody>
       </p:sp>
-      <p:sp>
-        <p:nvSpPr>
-          <p:cNvPr id="7" name="SAMEN HOUDEN groen kader datum"/>
-          <p:cNvSpPr/>
+      <p:grpSp>
+        <p:nvGrpSpPr>
+          <p:cNvPr id="10" name="groen kader datum">
+            <a:extLst>
+              <a:ext uri="{FF2B5EF4-FFF2-40B4-BE49-F238E27FC236}">
+                <a16:creationId xmlns:a16="http://schemas.microsoft.com/office/drawing/2014/main" id="{CB0D4AE8-A78B-4399-816A-C7915BF2C673}"/>
+              </a:ext>
+            </a:extLst>
+          </p:cNvPr>
+          <p:cNvGrpSpPr/>
           <p:nvPr/>
-        </p:nvSpPr>
-        <p:spPr>
+        </p:nvGrpSpPr>
+        <p:grpSpPr>
           <a:xfrm>
-            <a:off x="0" y="8343900"/>
-            <a:ext cx="9372600" cy="1828800"/>
+            <a:off x="-1581150" y="8343900"/>
+            <a:ext cx="11868150" cy="1828803"/>
+            <a:chOff x="-1581150" y="8343900"/>
+            <a:chExt cx="11868150" cy="1828803"/>
           </a:xfrm>
-          <a:custGeom>
-            <a:avLst/>
-            <a:gdLst/>
-            <a:ahLst/>
-            <a:cxnLst/>
-            <a:rect l="l" t="t" r="r" b="b"/>
-            <a:pathLst>
-              <a:path w="9372600" h="1828800">
-                <a:moveTo>
-                  <a:pt x="0" y="1828800"/>
-                </a:moveTo>
-                <a:lnTo>
-                  <a:pt x="9372600" y="1828800"/>
-                </a:lnTo>
-                <a:lnTo>
-                  <a:pt x="9372600" y="0"/>
-                </a:lnTo>
-                <a:lnTo>
-                  <a:pt x="0" y="0"/>
-                </a:lnTo>
-                <a:lnTo>
-                  <a:pt x="0" y="1828800"/>
-                </a:lnTo>
-                <a:close/>
-              </a:path>
-            </a:pathLst>
-          </a:custGeom>
-          <a:solidFill>
-            <a:srgbClr val="84A929"/>
-          </a:solidFill>
-        </p:spPr>
-        <p:txBody>
-          <a:bodyPr wrap="square" lIns="0" tIns="0" rIns="0" bIns="0" rtlCol="0"/>
-          <a:lstStyle/>
-          <a:p>
-            <a:endParaRPr/>
-          </a:p>
-        </p:txBody>
-      </p:sp>
-      <p:sp>
-        <p:nvSpPr>
-          <p:cNvPr id="8" name="SAMEN HOUDEN groen kader datum"/>
-          <p:cNvSpPr/>
-          <p:nvPr/>
-        </p:nvSpPr>
-        <p:spPr>
-          <a:xfrm>
-            <a:off x="8458200" y="8343903"/>
-            <a:ext cx="1828800" cy="1828800"/>
-          </a:xfrm>
-          <a:custGeom>
-            <a:avLst/>
-            <a:gdLst/>
-            <a:ahLst/>
-            <a:cxnLst/>
-            <a:rect l="l" t="t" r="r" b="b"/>
-            <a:pathLst>
-              <a:path w="1828800" h="1828800">
-                <a:moveTo>
-                  <a:pt x="914400" y="0"/>
-                </a:moveTo>
-                <a:lnTo>
-                  <a:pt x="865836" y="1267"/>
-                </a:lnTo>
-                <a:lnTo>
-                  <a:pt x="817933" y="5027"/>
-                </a:lnTo>
-                <a:lnTo>
-                  <a:pt x="770753" y="11217"/>
-                </a:lnTo>
-                <a:lnTo>
-                  <a:pt x="724360" y="19773"/>
-                </a:lnTo>
-                <a:lnTo>
-                  <a:pt x="678817" y="30633"/>
-                </a:lnTo>
-                <a:lnTo>
-                  <a:pt x="634187" y="43732"/>
-                </a:lnTo>
-                <a:lnTo>
-                  <a:pt x="590533" y="59009"/>
-                </a:lnTo>
-                <a:lnTo>
-                  <a:pt x="547918" y="76399"/>
-                </a:lnTo>
-                <a:lnTo>
-                  <a:pt x="506406" y="95839"/>
-                </a:lnTo>
-                <a:lnTo>
-                  <a:pt x="466060" y="117267"/>
-                </a:lnTo>
-                <a:lnTo>
-                  <a:pt x="426943" y="140619"/>
-                </a:lnTo>
-                <a:lnTo>
-                  <a:pt x="389118" y="165832"/>
-                </a:lnTo>
-                <a:lnTo>
-                  <a:pt x="352648" y="192842"/>
-                </a:lnTo>
-                <a:lnTo>
-                  <a:pt x="317597" y="221587"/>
-                </a:lnTo>
-                <a:lnTo>
-                  <a:pt x="284028" y="252004"/>
-                </a:lnTo>
-                <a:lnTo>
-                  <a:pt x="252004" y="284028"/>
-                </a:lnTo>
-                <a:lnTo>
-                  <a:pt x="221587" y="317597"/>
-                </a:lnTo>
-                <a:lnTo>
-                  <a:pt x="192842" y="352648"/>
-                </a:lnTo>
-                <a:lnTo>
-                  <a:pt x="165832" y="389118"/>
-                </a:lnTo>
-                <a:lnTo>
-                  <a:pt x="140619" y="426943"/>
-                </a:lnTo>
-                <a:lnTo>
-                  <a:pt x="117267" y="466060"/>
-                </a:lnTo>
-                <a:lnTo>
-                  <a:pt x="95839" y="506406"/>
-                </a:lnTo>
-                <a:lnTo>
-                  <a:pt x="76399" y="547918"/>
-                </a:lnTo>
-                <a:lnTo>
-                  <a:pt x="59009" y="590533"/>
-                </a:lnTo>
-                <a:lnTo>
-                  <a:pt x="43732" y="634187"/>
-                </a:lnTo>
-                <a:lnTo>
-                  <a:pt x="30633" y="678817"/>
-                </a:lnTo>
-                <a:lnTo>
-                  <a:pt x="19773" y="724360"/>
-                </a:lnTo>
-                <a:lnTo>
-                  <a:pt x="11217" y="770753"/>
-                </a:lnTo>
-                <a:lnTo>
-                  <a:pt x="5027" y="817933"/>
-                </a:lnTo>
-                <a:lnTo>
-                  <a:pt x="1267" y="865836"/>
-                </a:lnTo>
-                <a:lnTo>
-                  <a:pt x="0" y="914400"/>
-                </a:lnTo>
-                <a:lnTo>
-                  <a:pt x="1267" y="962963"/>
-                </a:lnTo>
-                <a:lnTo>
-                  <a:pt x="5027" y="1010866"/>
-                </a:lnTo>
-                <a:lnTo>
-                  <a:pt x="11217" y="1058046"/>
-                </a:lnTo>
-                <a:lnTo>
-                  <a:pt x="19773" y="1104439"/>
-                </a:lnTo>
-                <a:lnTo>
-                  <a:pt x="30633" y="1149982"/>
-                </a:lnTo>
-                <a:lnTo>
-                  <a:pt x="43732" y="1194612"/>
-                </a:lnTo>
-                <a:lnTo>
-                  <a:pt x="59009" y="1238266"/>
-                </a:lnTo>
-                <a:lnTo>
-                  <a:pt x="76399" y="1280881"/>
-                </a:lnTo>
-                <a:lnTo>
-                  <a:pt x="95839" y="1322393"/>
-                </a:lnTo>
-                <a:lnTo>
-                  <a:pt x="117267" y="1362739"/>
-                </a:lnTo>
-                <a:lnTo>
-                  <a:pt x="140619" y="1401856"/>
-                </a:lnTo>
-                <a:lnTo>
-                  <a:pt x="165832" y="1439681"/>
-                </a:lnTo>
-                <a:lnTo>
-                  <a:pt x="192842" y="1476151"/>
-                </a:lnTo>
-                <a:lnTo>
-                  <a:pt x="221587" y="1511202"/>
-                </a:lnTo>
-                <a:lnTo>
-                  <a:pt x="252004" y="1544771"/>
-                </a:lnTo>
-                <a:lnTo>
-                  <a:pt x="284028" y="1576795"/>
-                </a:lnTo>
-                <a:lnTo>
-                  <a:pt x="317597" y="1607212"/>
-                </a:lnTo>
-                <a:lnTo>
-                  <a:pt x="352648" y="1635957"/>
-                </a:lnTo>
-                <a:lnTo>
-                  <a:pt x="389118" y="1662967"/>
-                </a:lnTo>
-                <a:lnTo>
-                  <a:pt x="426943" y="1688180"/>
-                </a:lnTo>
-                <a:lnTo>
-                  <a:pt x="466060" y="1711532"/>
-                </a:lnTo>
-                <a:lnTo>
-                  <a:pt x="506406" y="1732960"/>
-                </a:lnTo>
-                <a:lnTo>
-                  <a:pt x="547918" y="1752400"/>
-                </a:lnTo>
-                <a:lnTo>
-                  <a:pt x="590533" y="1769790"/>
-                </a:lnTo>
-                <a:lnTo>
-                  <a:pt x="634187" y="1785067"/>
-                </a:lnTo>
-                <a:lnTo>
-                  <a:pt x="678817" y="1798166"/>
-                </a:lnTo>
-                <a:lnTo>
-                  <a:pt x="724360" y="1809026"/>
-                </a:lnTo>
-                <a:lnTo>
-                  <a:pt x="770753" y="1817582"/>
-                </a:lnTo>
-                <a:lnTo>
-                  <a:pt x="817933" y="1823772"/>
-                </a:lnTo>
-                <a:lnTo>
-                  <a:pt x="865836" y="1827532"/>
-                </a:lnTo>
-                <a:lnTo>
-                  <a:pt x="914400" y="1828800"/>
-                </a:lnTo>
-                <a:lnTo>
-                  <a:pt x="962962" y="1827532"/>
-                </a:lnTo>
-                <a:lnTo>
-                  <a:pt x="1010864" y="1823772"/>
-                </a:lnTo>
-                <a:lnTo>
-                  <a:pt x="1058043" y="1817582"/>
-                </a:lnTo>
-                <a:lnTo>
-                  <a:pt x="1104435" y="1809026"/>
-                </a:lnTo>
-                <a:lnTo>
-                  <a:pt x="1149978" y="1798166"/>
-                </a:lnTo>
-                <a:lnTo>
-                  <a:pt x="1194607" y="1785067"/>
-                </a:lnTo>
-                <a:lnTo>
-                  <a:pt x="1238261" y="1769790"/>
-                </a:lnTo>
-                <a:lnTo>
-                  <a:pt x="1280875" y="1752400"/>
-                </a:lnTo>
-                <a:lnTo>
-                  <a:pt x="1322387" y="1732960"/>
-                </a:lnTo>
-                <a:lnTo>
-                  <a:pt x="1362733" y="1711532"/>
-                </a:lnTo>
-                <a:lnTo>
-                  <a:pt x="1401850" y="1688180"/>
-                </a:lnTo>
-                <a:lnTo>
-                  <a:pt x="1439675" y="1662967"/>
-                </a:lnTo>
-                <a:lnTo>
-                  <a:pt x="1476145" y="1635957"/>
-                </a:lnTo>
-                <a:lnTo>
-                  <a:pt x="1511197" y="1607212"/>
-                </a:lnTo>
-                <a:lnTo>
-                  <a:pt x="1544766" y="1576795"/>
-                </a:lnTo>
-                <a:lnTo>
-                  <a:pt x="1576791" y="1544771"/>
-                </a:lnTo>
-                <a:lnTo>
-                  <a:pt x="1607207" y="1511202"/>
-                </a:lnTo>
-                <a:lnTo>
-                  <a:pt x="1635953" y="1476151"/>
-                </a:lnTo>
-                <a:lnTo>
-                  <a:pt x="1662964" y="1439681"/>
-                </a:lnTo>
-                <a:lnTo>
-                  <a:pt x="1688177" y="1401856"/>
-                </a:lnTo>
-                <a:lnTo>
-                  <a:pt x="1711529" y="1362739"/>
-                </a:lnTo>
-                <a:lnTo>
-                  <a:pt x="1732957" y="1322393"/>
-                </a:lnTo>
-                <a:lnTo>
-                  <a:pt x="1752398" y="1280881"/>
-                </a:lnTo>
-                <a:lnTo>
-                  <a:pt x="1769789" y="1238266"/>
-                </a:lnTo>
-                <a:lnTo>
-                  <a:pt x="1785065" y="1194612"/>
-                </a:lnTo>
-                <a:lnTo>
-                  <a:pt x="1798165" y="1149982"/>
-                </a:lnTo>
-                <a:lnTo>
-                  <a:pt x="1809025" y="1104439"/>
-                </a:lnTo>
-                <a:lnTo>
-                  <a:pt x="1817582" y="1058046"/>
-                </a:lnTo>
-                <a:lnTo>
-                  <a:pt x="1823772" y="1010866"/>
-                </a:lnTo>
-                <a:lnTo>
-                  <a:pt x="1827532" y="962963"/>
-                </a:lnTo>
-                <a:lnTo>
-                  <a:pt x="1828800" y="914400"/>
-                </a:lnTo>
-                <a:lnTo>
-                  <a:pt x="1827532" y="865836"/>
-                </a:lnTo>
-                <a:lnTo>
-                  <a:pt x="1823772" y="817933"/>
-                </a:lnTo>
-                <a:lnTo>
-                  <a:pt x="1817582" y="770753"/>
-                </a:lnTo>
-                <a:lnTo>
-                  <a:pt x="1809025" y="724360"/>
-                </a:lnTo>
-                <a:lnTo>
-                  <a:pt x="1798165" y="678817"/>
-                </a:lnTo>
-                <a:lnTo>
-                  <a:pt x="1785065" y="634187"/>
-                </a:lnTo>
-                <a:lnTo>
-                  <a:pt x="1769789" y="590533"/>
-                </a:lnTo>
-                <a:lnTo>
-                  <a:pt x="1752398" y="547918"/>
-                </a:lnTo>
-                <a:lnTo>
-                  <a:pt x="1732957" y="506406"/>
-                </a:lnTo>
-                <a:lnTo>
-                  <a:pt x="1711529" y="466060"/>
-                </a:lnTo>
-                <a:lnTo>
-                  <a:pt x="1688177" y="426943"/>
-                </a:lnTo>
-                <a:lnTo>
-                  <a:pt x="1662964" y="389118"/>
-                </a:lnTo>
-                <a:lnTo>
-                  <a:pt x="1635953" y="352648"/>
-                </a:lnTo>
-                <a:lnTo>
-                  <a:pt x="1607207" y="317597"/>
-                </a:lnTo>
-                <a:lnTo>
-                  <a:pt x="1576791" y="284028"/>
-                </a:lnTo>
-                <a:lnTo>
-                  <a:pt x="1544766" y="252004"/>
-                </a:lnTo>
-                <a:lnTo>
-                  <a:pt x="1511197" y="221587"/>
-                </a:lnTo>
-                <a:lnTo>
-                  <a:pt x="1476145" y="192842"/>
-                </a:lnTo>
-                <a:lnTo>
-                  <a:pt x="1439675" y="165832"/>
-                </a:lnTo>
-                <a:lnTo>
-                  <a:pt x="1401850" y="140619"/>
-                </a:lnTo>
-                <a:lnTo>
-                  <a:pt x="1362733" y="117267"/>
-                </a:lnTo>
-                <a:lnTo>
-                  <a:pt x="1322387" y="95839"/>
-                </a:lnTo>
-                <a:lnTo>
-                  <a:pt x="1280875" y="76399"/>
-                </a:lnTo>
-                <a:lnTo>
-                  <a:pt x="1238261" y="59009"/>
-                </a:lnTo>
-                <a:lnTo>
-                  <a:pt x="1194607" y="43732"/>
-                </a:lnTo>
-                <a:lnTo>
-                  <a:pt x="1149978" y="30633"/>
-                </a:lnTo>
-                <a:lnTo>
-                  <a:pt x="1104435" y="19773"/>
-                </a:lnTo>
-                <a:lnTo>
-                  <a:pt x="1058043" y="11217"/>
-                </a:lnTo>
-                <a:lnTo>
-                  <a:pt x="1010864" y="5027"/>
-                </a:lnTo>
-                <a:lnTo>
-                  <a:pt x="962962" y="1267"/>
-                </a:lnTo>
-                <a:lnTo>
-                  <a:pt x="914400" y="0"/>
-                </a:lnTo>
-                <a:close/>
-              </a:path>
-            </a:pathLst>
-          </a:custGeom>
-          <a:solidFill>
-            <a:srgbClr val="84A929"/>
-          </a:solidFill>
-        </p:spPr>
-        <p:txBody>
-          <a:bodyPr wrap="square" lIns="0" tIns="0" rIns="0" bIns="0" rtlCol="0"/>
-          <a:lstStyle/>
-          <a:p>
-            <a:endParaRPr/>
-          </a:p>
-        </p:txBody>
-      </p:sp>
+        </p:grpSpPr>
+        <p:sp>
+          <p:nvSpPr>
+            <p:cNvPr id="7" name="SAMEN HOUDEN groen kader datum"/>
+            <p:cNvSpPr/>
+            <p:nvPr/>
+          </p:nvSpPr>
+          <p:spPr>
+            <a:xfrm>
+              <a:off x="-1581150" y="8343900"/>
+              <a:ext cx="10953750" cy="1828800"/>
+            </a:xfrm>
+            <a:custGeom>
+              <a:avLst/>
+              <a:gdLst/>
+              <a:ahLst/>
+              <a:cxnLst/>
+              <a:rect l="l" t="t" r="r" b="b"/>
+              <a:pathLst>
+                <a:path w="9372600" h="1828800">
+                  <a:moveTo>
+                    <a:pt x="0" y="1828800"/>
+                  </a:moveTo>
+                  <a:lnTo>
+                    <a:pt x="9372600" y="1828800"/>
+                  </a:lnTo>
+                  <a:lnTo>
+                    <a:pt x="9372600" y="0"/>
+                  </a:lnTo>
+                  <a:lnTo>
+                    <a:pt x="0" y="0"/>
+                  </a:lnTo>
+                  <a:lnTo>
+                    <a:pt x="0" y="1828800"/>
+                  </a:lnTo>
+                  <a:close/>
+                </a:path>
+              </a:pathLst>
+            </a:custGeom>
+            <a:solidFill>
+              <a:srgbClr val="84A929"/>
+            </a:solidFill>
+          </p:spPr>
+          <p:txBody>
+            <a:bodyPr wrap="square" lIns="0" tIns="0" rIns="0" bIns="0" rtlCol="0"/>
+            <a:lstStyle/>
+            <a:p>
+              <a:endParaRPr/>
+            </a:p>
+          </p:txBody>
+        </p:sp>
+        <p:sp>
+          <p:nvSpPr>
+            <p:cNvPr id="8" name="SAMEN HOUDEN groen kader datum"/>
+            <p:cNvSpPr/>
+            <p:nvPr/>
+          </p:nvSpPr>
+          <p:spPr>
+            <a:xfrm>
+              <a:off x="8458200" y="8343903"/>
+              <a:ext cx="1828800" cy="1828800"/>
+            </a:xfrm>
+            <a:custGeom>
+              <a:avLst/>
+              <a:gdLst/>
+              <a:ahLst/>
+              <a:cxnLst/>
+              <a:rect l="l" t="t" r="r" b="b"/>
+              <a:pathLst>
+                <a:path w="1828800" h="1828800">
+                  <a:moveTo>
+                    <a:pt x="914400" y="0"/>
+                  </a:moveTo>
+                  <a:lnTo>
+                    <a:pt x="865836" y="1267"/>
+                  </a:lnTo>
+                  <a:lnTo>
+                    <a:pt x="817933" y="5027"/>
+                  </a:lnTo>
+                  <a:lnTo>
+                    <a:pt x="770753" y="11217"/>
+                  </a:lnTo>
+                  <a:lnTo>
+                    <a:pt x="724360" y="19773"/>
+                  </a:lnTo>
+                  <a:lnTo>
+                    <a:pt x="678817" y="30633"/>
+                  </a:lnTo>
+                  <a:lnTo>
+                    <a:pt x="634187" y="43732"/>
+                  </a:lnTo>
+                  <a:lnTo>
+                    <a:pt x="590533" y="59009"/>
+                  </a:lnTo>
+                  <a:lnTo>
+                    <a:pt x="547918" y="76399"/>
+                  </a:lnTo>
+                  <a:lnTo>
+                    <a:pt x="506406" y="95839"/>
+                  </a:lnTo>
+                  <a:lnTo>
+                    <a:pt x="466060" y="117267"/>
+                  </a:lnTo>
+                  <a:lnTo>
+                    <a:pt x="426943" y="140619"/>
+                  </a:lnTo>
+                  <a:lnTo>
+                    <a:pt x="389118" y="165832"/>
+                  </a:lnTo>
+                  <a:lnTo>
+                    <a:pt x="352648" y="192842"/>
+                  </a:lnTo>
+                  <a:lnTo>
+                    <a:pt x="317597" y="221587"/>
+                  </a:lnTo>
+                  <a:lnTo>
+                    <a:pt x="284028" y="252004"/>
+                  </a:lnTo>
+                  <a:lnTo>
+                    <a:pt x="252004" y="284028"/>
+                  </a:lnTo>
+                  <a:lnTo>
+                    <a:pt x="221587" y="317597"/>
+                  </a:lnTo>
+                  <a:lnTo>
+                    <a:pt x="192842" y="352648"/>
+                  </a:lnTo>
+                  <a:lnTo>
+                    <a:pt x="165832" y="389118"/>
+                  </a:lnTo>
+                  <a:lnTo>
+                    <a:pt x="140619" y="426943"/>
+                  </a:lnTo>
+                  <a:lnTo>
+                    <a:pt x="117267" y="466060"/>
+                  </a:lnTo>
+                  <a:lnTo>
+                    <a:pt x="95839" y="506406"/>
+                  </a:lnTo>
+                  <a:lnTo>
+                    <a:pt x="76399" y="547918"/>
+                  </a:lnTo>
+                  <a:lnTo>
+                    <a:pt x="59009" y="590533"/>
+                  </a:lnTo>
+                  <a:lnTo>
+                    <a:pt x="43732" y="634187"/>
+                  </a:lnTo>
+                  <a:lnTo>
+                    <a:pt x="30633" y="678817"/>
+                  </a:lnTo>
+                  <a:lnTo>
+                    <a:pt x="19773" y="724360"/>
+                  </a:lnTo>
+                  <a:lnTo>
+                    <a:pt x="11217" y="770753"/>
+                  </a:lnTo>
+                  <a:lnTo>
+                    <a:pt x="5027" y="817933"/>
+                  </a:lnTo>
+                  <a:lnTo>
+                    <a:pt x="1267" y="865836"/>
+                  </a:lnTo>
+                  <a:lnTo>
+                    <a:pt x="0" y="914400"/>
+                  </a:lnTo>
+                  <a:lnTo>
+                    <a:pt x="1267" y="962963"/>
+                  </a:lnTo>
+                  <a:lnTo>
+                    <a:pt x="5027" y="1010866"/>
+                  </a:lnTo>
+                  <a:lnTo>
+                    <a:pt x="11217" y="1058046"/>
+                  </a:lnTo>
+                  <a:lnTo>
+                    <a:pt x="19773" y="1104439"/>
+                  </a:lnTo>
+                  <a:lnTo>
+                    <a:pt x="30633" y="1149982"/>
+                  </a:lnTo>
+                  <a:lnTo>
+                    <a:pt x="43732" y="1194612"/>
+                  </a:lnTo>
+                  <a:lnTo>
+                    <a:pt x="59009" y="1238266"/>
+                  </a:lnTo>
+                  <a:lnTo>
+                    <a:pt x="76399" y="1280881"/>
+                  </a:lnTo>
+                  <a:lnTo>
+                    <a:pt x="95839" y="1322393"/>
+                  </a:lnTo>
+                  <a:lnTo>
+                    <a:pt x="117267" y="1362739"/>
+                  </a:lnTo>
+                  <a:lnTo>
+                    <a:pt x="140619" y="1401856"/>
+                  </a:lnTo>
+                  <a:lnTo>
+                    <a:pt x="165832" y="1439681"/>
+                  </a:lnTo>
+                  <a:lnTo>
+                    <a:pt x="192842" y="1476151"/>
+                  </a:lnTo>
+                  <a:lnTo>
+                    <a:pt x="221587" y="1511202"/>
+                  </a:lnTo>
+                  <a:lnTo>
+                    <a:pt x="252004" y="1544771"/>
+                  </a:lnTo>
+                  <a:lnTo>
+                    <a:pt x="284028" y="1576795"/>
+                  </a:lnTo>
+                  <a:lnTo>
+                    <a:pt x="317597" y="1607212"/>
+                  </a:lnTo>
+                  <a:lnTo>
+                    <a:pt x="352648" y="1635957"/>
+                  </a:lnTo>
+                  <a:lnTo>
+                    <a:pt x="389118" y="1662967"/>
+                  </a:lnTo>
+                  <a:lnTo>
+                    <a:pt x="426943" y="1688180"/>
+                  </a:lnTo>
+                  <a:lnTo>
+                    <a:pt x="466060" y="1711532"/>
+                  </a:lnTo>
+                  <a:lnTo>
+                    <a:pt x="506406" y="1732960"/>
+                  </a:lnTo>
+                  <a:lnTo>
+                    <a:pt x="547918" y="1752400"/>
+                  </a:lnTo>
+                  <a:lnTo>
+                    <a:pt x="590533" y="1769790"/>
+                  </a:lnTo>
+                  <a:lnTo>
+                    <a:pt x="634187" y="1785067"/>
+                  </a:lnTo>
+                  <a:lnTo>
+                    <a:pt x="678817" y="1798166"/>
+                  </a:lnTo>
+                  <a:lnTo>
+                    <a:pt x="724360" y="1809026"/>
+                  </a:lnTo>
+                  <a:lnTo>
+                    <a:pt x="770753" y="1817582"/>
+                  </a:lnTo>
+                  <a:lnTo>
+                    <a:pt x="817933" y="1823772"/>
+                  </a:lnTo>
+                  <a:lnTo>
+                    <a:pt x="865836" y="1827532"/>
+                  </a:lnTo>
+                  <a:lnTo>
+                    <a:pt x="914400" y="1828800"/>
+                  </a:lnTo>
+                  <a:lnTo>
+                    <a:pt x="962962" y="1827532"/>
+                  </a:lnTo>
+                  <a:lnTo>
+                    <a:pt x="1010864" y="1823772"/>
+                  </a:lnTo>
+                  <a:lnTo>
+                    <a:pt x="1058043" y="1817582"/>
+                  </a:lnTo>
+                  <a:lnTo>
+                    <a:pt x="1104435" y="1809026"/>
+                  </a:lnTo>
+                  <a:lnTo>
+                    <a:pt x="1149978" y="1798166"/>
+                  </a:lnTo>
+                  <a:lnTo>
+                    <a:pt x="1194607" y="1785067"/>
+                  </a:lnTo>
+                  <a:lnTo>
+                    <a:pt x="1238261" y="1769790"/>
+                  </a:lnTo>
+                  <a:lnTo>
+                    <a:pt x="1280875" y="1752400"/>
+                  </a:lnTo>
+                  <a:lnTo>
+                    <a:pt x="1322387" y="1732960"/>
+                  </a:lnTo>
+                  <a:lnTo>
+                    <a:pt x="1362733" y="1711532"/>
+                  </a:lnTo>
+                  <a:lnTo>
+                    <a:pt x="1401850" y="1688180"/>
+                  </a:lnTo>
+                  <a:lnTo>
+                    <a:pt x="1439675" y="1662967"/>
+                  </a:lnTo>
+                  <a:lnTo>
+                    <a:pt x="1476145" y="1635957"/>
+                  </a:lnTo>
+                  <a:lnTo>
+                    <a:pt x="1511197" y="1607212"/>
+                  </a:lnTo>
+                  <a:lnTo>
+                    <a:pt x="1544766" y="1576795"/>
+                  </a:lnTo>
+                  <a:lnTo>
+                    <a:pt x="1576791" y="1544771"/>
+                  </a:lnTo>
+                  <a:lnTo>
+                    <a:pt x="1607207" y="1511202"/>
+                  </a:lnTo>
+                  <a:lnTo>
+                    <a:pt x="1635953" y="1476151"/>
+                  </a:lnTo>
+                  <a:lnTo>
+                    <a:pt x="1662964" y="1439681"/>
+                  </a:lnTo>
+                  <a:lnTo>
+                    <a:pt x="1688177" y="1401856"/>
+                  </a:lnTo>
+                  <a:lnTo>
+                    <a:pt x="1711529" y="1362739"/>
+                  </a:lnTo>
+                  <a:lnTo>
+                    <a:pt x="1732957" y="1322393"/>
+                  </a:lnTo>
+                  <a:lnTo>
+                    <a:pt x="1752398" y="1280881"/>
+                  </a:lnTo>
+                  <a:lnTo>
+                    <a:pt x="1769789" y="1238266"/>
+                  </a:lnTo>
+                  <a:lnTo>
+                    <a:pt x="1785065" y="1194612"/>
+                  </a:lnTo>
+                  <a:lnTo>
+                    <a:pt x="1798165" y="1149982"/>
+                  </a:lnTo>
+                  <a:lnTo>
+                    <a:pt x="1809025" y="1104439"/>
+                  </a:lnTo>
+                  <a:lnTo>
+                    <a:pt x="1817582" y="1058046"/>
+                  </a:lnTo>
+                  <a:lnTo>
+                    <a:pt x="1823772" y="1010866"/>
+                  </a:lnTo>
+                  <a:lnTo>
+                    <a:pt x="1827532" y="962963"/>
+                  </a:lnTo>
+                  <a:lnTo>
+                    <a:pt x="1828800" y="914400"/>
+                  </a:lnTo>
+                  <a:lnTo>
+                    <a:pt x="1827532" y="865836"/>
+                  </a:lnTo>
+                  <a:lnTo>
+                    <a:pt x="1823772" y="817933"/>
+                  </a:lnTo>
+                  <a:lnTo>
+                    <a:pt x="1817582" y="770753"/>
+                  </a:lnTo>
+                  <a:lnTo>
+                    <a:pt x="1809025" y="724360"/>
+                  </a:lnTo>
+                  <a:lnTo>
+                    <a:pt x="1798165" y="678817"/>
+                  </a:lnTo>
+                  <a:lnTo>
+                    <a:pt x="1785065" y="634187"/>
+                  </a:lnTo>
+                  <a:lnTo>
+                    <a:pt x="1769789" y="590533"/>
+                  </a:lnTo>
+                  <a:lnTo>
+                    <a:pt x="1752398" y="547918"/>
+                  </a:lnTo>
+                  <a:lnTo>
+                    <a:pt x="1732957" y="506406"/>
+                  </a:lnTo>
+                  <a:lnTo>
+                    <a:pt x="1711529" y="466060"/>
+                  </a:lnTo>
+                  <a:lnTo>
+                    <a:pt x="1688177" y="426943"/>
+                  </a:lnTo>
+                  <a:lnTo>
+                    <a:pt x="1662964" y="389118"/>
+                  </a:lnTo>
+                  <a:lnTo>
+                    <a:pt x="1635953" y="352648"/>
+                  </a:lnTo>
+                  <a:lnTo>
+                    <a:pt x="1607207" y="317597"/>
+                  </a:lnTo>
+                  <a:lnTo>
+                    <a:pt x="1576791" y="284028"/>
+                  </a:lnTo>
+                  <a:lnTo>
+                    <a:pt x="1544766" y="252004"/>
+                  </a:lnTo>
+                  <a:lnTo>
+                    <a:pt x="1511197" y="221587"/>
+                  </a:lnTo>
+                  <a:lnTo>
+                    <a:pt x="1476145" y="192842"/>
+                  </a:lnTo>
+                  <a:lnTo>
+                    <a:pt x="1439675" y="165832"/>
+                  </a:lnTo>
+                  <a:lnTo>
+                    <a:pt x="1401850" y="140619"/>
+                  </a:lnTo>
+                  <a:lnTo>
+                    <a:pt x="1362733" y="117267"/>
+                  </a:lnTo>
+                  <a:lnTo>
+                    <a:pt x="1322387" y="95839"/>
+                  </a:lnTo>
+                  <a:lnTo>
+                    <a:pt x="1280875" y="76399"/>
+                  </a:lnTo>
+                  <a:lnTo>
+                    <a:pt x="1238261" y="59009"/>
+                  </a:lnTo>
+                  <a:lnTo>
+                    <a:pt x="1194607" y="43732"/>
+                  </a:lnTo>
+                  <a:lnTo>
+                    <a:pt x="1149978" y="30633"/>
+                  </a:lnTo>
+                  <a:lnTo>
+                    <a:pt x="1104435" y="19773"/>
+                  </a:lnTo>
+                  <a:lnTo>
+                    <a:pt x="1058043" y="11217"/>
+                  </a:lnTo>
+                  <a:lnTo>
+                    <a:pt x="1010864" y="5027"/>
+                  </a:lnTo>
+                  <a:lnTo>
+                    <a:pt x="962962" y="1267"/>
+                  </a:lnTo>
+                  <a:lnTo>
+                    <a:pt x="914400" y="0"/>
+                  </a:lnTo>
+                  <a:close/>
+                </a:path>
+              </a:pathLst>
+            </a:custGeom>
+            <a:solidFill>
+              <a:srgbClr val="84A929"/>
+            </a:solidFill>
+          </p:spPr>
+          <p:txBody>
+            <a:bodyPr wrap="square" lIns="0" tIns="0" rIns="0" bIns="0" rtlCol="0"/>
+            <a:lstStyle/>
+            <a:p>
+              <a:endParaRPr/>
+            </a:p>
+          </p:txBody>
+        </p:sp>
+      </p:grpSp>
       <p:sp>
         <p:nvSpPr>
           <p:cNvPr id="9" name="datum"/>
